--- a/面试纲要口述为主.pptx
+++ b/面试纲要口述为主.pptx
@@ -235,7 +235,7 @@
           <a:p>
             <a:fld id="{1E72FF63-5890-46A7-B4B3-0B245C9EC13A}" type="datetimeFigureOut">
               <a:rPr lang="zh-CN" altLang="en-US" smtClean="0"/>
-              <a:t>2018/6/4</a:t>
+              <a:t>2018/6/6</a:t>
             </a:fld>
             <a:endParaRPr lang="zh-CN" altLang="en-US"/>
           </a:p>
@@ -631,7 +631,7 @@
           <a:p>
             <a:fld id="{109A981C-26F7-46EB-AD80-D8A9854E3287}" type="datetimeFigureOut">
               <a:rPr lang="zh-CN" altLang="en-US" smtClean="0"/>
-              <a:t>2018/6/4</a:t>
+              <a:t>2018/6/6</a:t>
             </a:fld>
             <a:endParaRPr lang="zh-CN" altLang="en-US"/>
           </a:p>
@@ -799,7 +799,7 @@
           <a:p>
             <a:fld id="{109A981C-26F7-46EB-AD80-D8A9854E3287}" type="datetimeFigureOut">
               <a:rPr lang="zh-CN" altLang="en-US" smtClean="0"/>
-              <a:t>2018/6/4</a:t>
+              <a:t>2018/6/6</a:t>
             </a:fld>
             <a:endParaRPr lang="zh-CN" altLang="en-US"/>
           </a:p>
@@ -977,7 +977,7 @@
           <a:p>
             <a:fld id="{109A981C-26F7-46EB-AD80-D8A9854E3287}" type="datetimeFigureOut">
               <a:rPr lang="zh-CN" altLang="en-US" smtClean="0"/>
-              <a:t>2018/6/4</a:t>
+              <a:t>2018/6/6</a:t>
             </a:fld>
             <a:endParaRPr lang="zh-CN" altLang="en-US"/>
           </a:p>
@@ -1145,7 +1145,7 @@
           <a:p>
             <a:fld id="{109A981C-26F7-46EB-AD80-D8A9854E3287}" type="datetimeFigureOut">
               <a:rPr lang="zh-CN" altLang="en-US" smtClean="0"/>
-              <a:t>2018/6/4</a:t>
+              <a:t>2018/6/6</a:t>
             </a:fld>
             <a:endParaRPr lang="zh-CN" altLang="en-US"/>
           </a:p>
@@ -1390,7 +1390,7 @@
           <a:p>
             <a:fld id="{109A981C-26F7-46EB-AD80-D8A9854E3287}" type="datetimeFigureOut">
               <a:rPr lang="zh-CN" altLang="en-US" smtClean="0"/>
-              <a:t>2018/6/4</a:t>
+              <a:t>2018/6/6</a:t>
             </a:fld>
             <a:endParaRPr lang="zh-CN" altLang="en-US"/>
           </a:p>
@@ -1619,7 +1619,7 @@
           <a:p>
             <a:fld id="{109A981C-26F7-46EB-AD80-D8A9854E3287}" type="datetimeFigureOut">
               <a:rPr lang="zh-CN" altLang="en-US" smtClean="0"/>
-              <a:t>2018/6/4</a:t>
+              <a:t>2018/6/6</a:t>
             </a:fld>
             <a:endParaRPr lang="zh-CN" altLang="en-US"/>
           </a:p>
@@ -1983,7 +1983,7 @@
           <a:p>
             <a:fld id="{109A981C-26F7-46EB-AD80-D8A9854E3287}" type="datetimeFigureOut">
               <a:rPr lang="zh-CN" altLang="en-US" smtClean="0"/>
-              <a:t>2018/6/4</a:t>
+              <a:t>2018/6/6</a:t>
             </a:fld>
             <a:endParaRPr lang="zh-CN" altLang="en-US"/>
           </a:p>
@@ -2100,7 +2100,7 @@
           <a:p>
             <a:fld id="{109A981C-26F7-46EB-AD80-D8A9854E3287}" type="datetimeFigureOut">
               <a:rPr lang="zh-CN" altLang="en-US" smtClean="0"/>
-              <a:t>2018/6/4</a:t>
+              <a:t>2018/6/6</a:t>
             </a:fld>
             <a:endParaRPr lang="zh-CN" altLang="en-US"/>
           </a:p>
@@ -2195,7 +2195,7 @@
           <a:p>
             <a:fld id="{109A981C-26F7-46EB-AD80-D8A9854E3287}" type="datetimeFigureOut">
               <a:rPr lang="zh-CN" altLang="en-US" smtClean="0"/>
-              <a:t>2018/6/4</a:t>
+              <a:t>2018/6/6</a:t>
             </a:fld>
             <a:endParaRPr lang="zh-CN" altLang="en-US"/>
           </a:p>
@@ -2470,7 +2470,7 @@
           <a:p>
             <a:fld id="{109A981C-26F7-46EB-AD80-D8A9854E3287}" type="datetimeFigureOut">
               <a:rPr lang="zh-CN" altLang="en-US" smtClean="0"/>
-              <a:t>2018/6/4</a:t>
+              <a:t>2018/6/6</a:t>
             </a:fld>
             <a:endParaRPr lang="zh-CN" altLang="en-US"/>
           </a:p>
@@ -2722,7 +2722,7 @@
           <a:p>
             <a:fld id="{109A981C-26F7-46EB-AD80-D8A9854E3287}" type="datetimeFigureOut">
               <a:rPr lang="zh-CN" altLang="en-US" smtClean="0"/>
-              <a:t>2018/6/4</a:t>
+              <a:t>2018/6/6</a:t>
             </a:fld>
             <a:endParaRPr lang="zh-CN" altLang="en-US"/>
           </a:p>
@@ -2933,7 +2933,7 @@
           <a:p>
             <a:fld id="{109A981C-26F7-46EB-AD80-D8A9854E3287}" type="datetimeFigureOut">
               <a:rPr lang="zh-CN" altLang="en-US" smtClean="0"/>
-              <a:t>2018/6/4</a:t>
+              <a:t>2018/6/6</a:t>
             </a:fld>
             <a:endParaRPr lang="zh-CN" altLang="en-US"/>
           </a:p>
@@ -3829,17 +3829,7 @@
                 <a:latin typeface="微软雅黑" panose="020B0503020204020204" pitchFamily="34" charset="-122"/>
                 <a:ea typeface="微软雅黑" panose="020B0503020204020204" pitchFamily="34" charset="-122"/>
               </a:rPr>
-              <a:t>：</a:t>
-            </a:r>
-            <a:r>
-              <a:rPr lang="zh-CN" altLang="en-US" sz="1600" dirty="0" smtClean="0">
-                <a:solidFill>
-                  <a:prstClr val="white"/>
-                </a:solidFill>
-                <a:latin typeface="微软雅黑" panose="020B0503020204020204" pitchFamily="34" charset="-122"/>
-                <a:ea typeface="微软雅黑" panose="020B0503020204020204" pitchFamily="34" charset="-122"/>
-              </a:rPr>
-              <a:t>黄道</a:t>
+              <a:t>：黄道</a:t>
             </a:r>
             <a:r>
               <a:rPr lang="zh-CN" altLang="en-US" sz="1600" dirty="0">
@@ -3851,13 +3841,6 @@
               </a:rPr>
               <a:t>星</a:t>
             </a:r>
-            <a:endParaRPr lang="zh-CN" altLang="en-US" sz="1600" dirty="0">
-              <a:solidFill>
-                <a:prstClr val="white"/>
-              </a:solidFill>
-              <a:latin typeface="微软雅黑" panose="020B0503020204020204" pitchFamily="34" charset="-122"/>
-              <a:ea typeface="微软雅黑" panose="020B0503020204020204" pitchFamily="34" charset="-122"/>
-            </a:endParaRPr>
           </a:p>
         </p:txBody>
       </p:sp>
@@ -9327,13 +9310,6 @@
               </a:rPr>
               <a:t>review</a:t>
             </a:r>
-            <a:endParaRPr lang="en-US" altLang="zh-CN" sz="1200" dirty="0">
-              <a:solidFill>
-                <a:schemeClr val="bg1"/>
-              </a:solidFill>
-              <a:latin typeface="Microsoft YaHei" panose="020B0503020204020204" pitchFamily="34" charset="-122"/>
-              <a:ea typeface="Microsoft YaHei" panose="020B0503020204020204" pitchFamily="34" charset="-122"/>
-            </a:endParaRPr>
           </a:p>
         </p:txBody>
       </p:sp>
@@ -9499,7 +9475,6 @@
               <a:rPr lang="zh-CN" altLang="en-US" dirty="0"/>
               <a:t>沟通</a:t>
             </a:r>
-            <a:endParaRPr lang="zh-CN" altLang="en-US" dirty="0"/>
           </a:p>
         </p:txBody>
       </p:sp>
@@ -9660,13 +9635,6 @@
               </a:rPr>
               <a:t>沟通、协作、分享</a:t>
             </a:r>
-            <a:endParaRPr lang="zh-CN" altLang="fr-FR" sz="900" b="1" i="1" dirty="0">
-              <a:solidFill>
-                <a:schemeClr val="bg1"/>
-              </a:solidFill>
-              <a:latin typeface="微软雅黑" panose="020B0503020204020204" pitchFamily="34" charset="-122"/>
-              <a:ea typeface="微软雅黑" panose="020B0503020204020204" pitchFamily="34" charset="-122"/>
-            </a:endParaRPr>
           </a:p>
         </p:txBody>
       </p:sp>
@@ -12319,13 +12287,6 @@
               </a:rPr>
               <a:t>成长</a:t>
             </a:r>
-            <a:endParaRPr lang="zh-CN" altLang="en-US" dirty="0">
-              <a:solidFill>
-                <a:schemeClr val="bg1"/>
-              </a:solidFill>
-              <a:latin typeface="微软雅黑" panose="020B0503020204020204" pitchFamily="34" charset="-122"/>
-              <a:ea typeface="微软雅黑" panose="020B0503020204020204" pitchFamily="34" charset="-122"/>
-            </a:endParaRPr>
           </a:p>
         </p:txBody>
       </p:sp>
@@ -18541,7 +18502,7 @@
                 <a:latin typeface="微软雅黑" panose="020B0503020204020204" pitchFamily="34" charset="-122"/>
                 <a:ea typeface="微软雅黑" panose="020B0503020204020204" pitchFamily="34" charset="-122"/>
               </a:rPr>
-              <a:t>围，成为前端知识领域专家</a:t>
+              <a:t>围</a:t>
             </a:r>
             <a:endParaRPr lang="zh-CN" altLang="en-US" sz="1600" dirty="0">
               <a:solidFill>
@@ -18806,7 +18767,17 @@
                 <a:latin typeface="微软雅黑" panose="020B0503020204020204" pitchFamily="34" charset="-122"/>
                 <a:ea typeface="微软雅黑" panose="020B0503020204020204" pitchFamily="34" charset="-122"/>
               </a:rPr>
-              <a:t>积累拓展业务水平，了解行业动向，掌握行业趋势，挖掘潜在需求，成为行业专家</a:t>
+              <a:t>积累拓展业务水平，了解行业动向，掌握行业趋势，挖掘潜在需</a:t>
+            </a:r>
+            <a:r>
+              <a:rPr lang="zh-CN" altLang="en-US" sz="1600" dirty="0" smtClean="0">
+                <a:solidFill>
+                  <a:schemeClr val="bg1"/>
+                </a:solidFill>
+                <a:latin typeface="微软雅黑" panose="020B0503020204020204" pitchFamily="34" charset="-122"/>
+                <a:ea typeface="微软雅黑" panose="020B0503020204020204" pitchFamily="34" charset="-122"/>
+              </a:rPr>
+              <a:t>求</a:t>
             </a:r>
             <a:endParaRPr lang="zh-CN" altLang="en-US" sz="1600" dirty="0">
               <a:solidFill>
@@ -26135,25 +26106,40 @@
           <a:p>
             <a:pPr algn="ctr"/>
             <a:r>
-              <a:rPr lang="en-US" altLang="zh-CN" dirty="0" smtClean="0"/>
+              <a:rPr lang="en-US" altLang="zh-CN" sz="1200" dirty="0" smtClean="0">
+                <a:latin typeface="Microsoft YaHei UI" panose="020B0503020204020204" pitchFamily="34" charset="-122"/>
+                <a:ea typeface="Microsoft YaHei UI" panose="020B0503020204020204" pitchFamily="34" charset="-122"/>
+              </a:rPr>
               <a:t>ASP(.NET)</a:t>
             </a:r>
             <a:r>
-              <a:rPr lang="zh-CN" altLang="en-US" dirty="0" smtClean="0"/>
+              <a:rPr lang="zh-CN" altLang="en-US" sz="1200" dirty="0" smtClean="0">
+                <a:latin typeface="Microsoft YaHei UI" panose="020B0503020204020204" pitchFamily="34" charset="-122"/>
+                <a:ea typeface="Microsoft YaHei UI" panose="020B0503020204020204" pitchFamily="34" charset="-122"/>
+              </a:rPr>
               <a:t> </a:t>
             </a:r>
             <a:r>
-              <a:rPr lang="en-US" altLang="zh-CN" dirty="0" smtClean="0"/>
+              <a:rPr lang="en-US" altLang="zh-CN" sz="1200" dirty="0" smtClean="0">
+                <a:latin typeface="Microsoft YaHei UI" panose="020B0503020204020204" pitchFamily="34" charset="-122"/>
+                <a:ea typeface="Microsoft YaHei UI" panose="020B0503020204020204" pitchFamily="34" charset="-122"/>
+              </a:rPr>
               <a:t>JSP</a:t>
             </a:r>
           </a:p>
           <a:p>
             <a:pPr algn="ctr"/>
             <a:r>
-              <a:rPr lang="en-US" altLang="zh-CN" dirty="0" err="1" smtClean="0"/>
+              <a:rPr lang="en-US" altLang="zh-CN" sz="1200" dirty="0" err="1" smtClean="0">
+                <a:latin typeface="Microsoft YaHei UI" panose="020B0503020204020204" pitchFamily="34" charset="-122"/>
+                <a:ea typeface="Microsoft YaHei UI" panose="020B0503020204020204" pitchFamily="34" charset="-122"/>
+              </a:rPr>
               <a:t>ExtJS,JQuery</a:t>
             </a:r>
-            <a:endParaRPr lang="en-US" dirty="0"/>
+            <a:endParaRPr lang="en-US" sz="1200" dirty="0">
+              <a:latin typeface="Microsoft YaHei UI" panose="020B0503020204020204" pitchFamily="34" charset="-122"/>
+              <a:ea typeface="Microsoft YaHei UI" panose="020B0503020204020204" pitchFamily="34" charset="-122"/>
+            </a:endParaRPr>
           </a:p>
         </p:txBody>
       </p:sp>
@@ -26286,64 +26272,109 @@
           <a:lstStyle/>
           <a:p>
             <a:r>
-              <a:rPr lang="en-US" altLang="zh-CN" sz="1200" dirty="0" smtClean="0"/>
+              <a:rPr lang="en-US" altLang="zh-CN" sz="1200" dirty="0" smtClean="0">
+                <a:latin typeface="Microsoft YaHei UI" panose="020B0503020204020204" pitchFamily="34" charset="-122"/>
+                <a:ea typeface="Microsoft YaHei UI" panose="020B0503020204020204" pitchFamily="34" charset="-122"/>
+              </a:rPr>
               <a:t>Web:</a:t>
             </a:r>
             <a:r>
-              <a:rPr lang="zh-CN" altLang="en-US" sz="1200" dirty="0" smtClean="0"/>
+              <a:rPr lang="zh-CN" altLang="en-US" sz="1200" dirty="0" smtClean="0">
+                <a:latin typeface="Microsoft YaHei UI" panose="020B0503020204020204" pitchFamily="34" charset="-122"/>
+                <a:ea typeface="Microsoft YaHei UI" panose="020B0503020204020204" pitchFamily="34" charset="-122"/>
+              </a:rPr>
               <a:t>富客户端为代表的</a:t>
             </a:r>
             <a:r>
-              <a:rPr lang="en-US" altLang="zh-CN" sz="1200" dirty="0" smtClean="0"/>
+              <a:rPr lang="en-US" altLang="zh-CN" sz="1200" dirty="0" smtClean="0">
+                <a:latin typeface="Microsoft YaHei UI" panose="020B0503020204020204" pitchFamily="34" charset="-122"/>
+                <a:ea typeface="Microsoft YaHei UI" panose="020B0503020204020204" pitchFamily="34" charset="-122"/>
+              </a:rPr>
               <a:t>Flash</a:t>
             </a:r>
             <a:r>
-              <a:rPr lang="zh-CN" altLang="en-US" sz="1200" dirty="0" smtClean="0"/>
+              <a:rPr lang="zh-CN" altLang="en-US" sz="1200" dirty="0" smtClean="0">
+                <a:latin typeface="Microsoft YaHei UI" panose="020B0503020204020204" pitchFamily="34" charset="-122"/>
+                <a:ea typeface="Microsoft YaHei UI" panose="020B0503020204020204" pitchFamily="34" charset="-122"/>
+              </a:rPr>
               <a:t>和</a:t>
             </a:r>
             <a:r>
-              <a:rPr lang="en-US" altLang="zh-CN" sz="1200" dirty="0" smtClean="0"/>
+              <a:rPr lang="en-US" altLang="zh-CN" sz="1200" dirty="0" smtClean="0">
+                <a:latin typeface="Microsoft YaHei UI" panose="020B0503020204020204" pitchFamily="34" charset="-122"/>
+                <a:ea typeface="Microsoft YaHei UI" panose="020B0503020204020204" pitchFamily="34" charset="-122"/>
+              </a:rPr>
               <a:t>Silverlight</a:t>
             </a:r>
           </a:p>
           <a:p>
             <a:r>
-              <a:rPr lang="en-US" altLang="zh-CN" sz="1200" dirty="0" smtClean="0"/>
+              <a:rPr lang="en-US" altLang="zh-CN" sz="1200" dirty="0" smtClean="0">
+                <a:latin typeface="Microsoft YaHei UI" panose="020B0503020204020204" pitchFamily="34" charset="-122"/>
+                <a:ea typeface="Microsoft YaHei UI" panose="020B0503020204020204" pitchFamily="34" charset="-122"/>
+              </a:rPr>
               <a:t>PC</a:t>
             </a:r>
             <a:r>
-              <a:rPr lang="zh-CN" altLang="en-US" sz="1200" dirty="0" smtClean="0"/>
+              <a:rPr lang="zh-CN" altLang="en-US" sz="1200" dirty="0" smtClean="0">
+                <a:latin typeface="Microsoft YaHei UI" panose="020B0503020204020204" pitchFamily="34" charset="-122"/>
+                <a:ea typeface="Microsoft YaHei UI" panose="020B0503020204020204" pitchFamily="34" charset="-122"/>
+              </a:rPr>
               <a:t>：</a:t>
             </a:r>
             <a:r>
-              <a:rPr lang="en-US" altLang="zh-CN" sz="1200" dirty="0" smtClean="0"/>
+              <a:rPr lang="en-US" altLang="zh-CN" sz="1200" dirty="0" smtClean="0">
+                <a:latin typeface="Microsoft YaHei UI" panose="020B0503020204020204" pitchFamily="34" charset="-122"/>
+                <a:ea typeface="Microsoft YaHei UI" panose="020B0503020204020204" pitchFamily="34" charset="-122"/>
+              </a:rPr>
               <a:t>WPF</a:t>
             </a:r>
             <a:r>
-              <a:rPr lang="zh-CN" altLang="en-US" sz="1200" dirty="0" smtClean="0"/>
+              <a:rPr lang="zh-CN" altLang="en-US" sz="1200" dirty="0" smtClean="0">
+                <a:latin typeface="Microsoft YaHei UI" panose="020B0503020204020204" pitchFamily="34" charset="-122"/>
+                <a:ea typeface="Microsoft YaHei UI" panose="020B0503020204020204" pitchFamily="34" charset="-122"/>
+              </a:rPr>
               <a:t>，</a:t>
             </a:r>
             <a:r>
-              <a:rPr lang="en-US" altLang="zh-CN" sz="1200" dirty="0" smtClean="0"/>
+              <a:rPr lang="en-US" altLang="zh-CN" sz="1200" dirty="0" smtClean="0">
+                <a:latin typeface="Microsoft YaHei UI" panose="020B0503020204020204" pitchFamily="34" charset="-122"/>
+                <a:ea typeface="Microsoft YaHei UI" panose="020B0503020204020204" pitchFamily="34" charset="-122"/>
+              </a:rPr>
               <a:t>Flex ,</a:t>
             </a:r>
             <a:r>
-              <a:rPr lang="en-US" altLang="zh-CN" sz="1200" dirty="0" err="1" smtClean="0"/>
+              <a:rPr lang="en-US" altLang="zh-CN" sz="1200" dirty="0" err="1" smtClean="0">
+                <a:latin typeface="Microsoft YaHei UI" panose="020B0503020204020204" pitchFamily="34" charset="-122"/>
+                <a:ea typeface="Microsoft YaHei UI" panose="020B0503020204020204" pitchFamily="34" charset="-122"/>
+              </a:rPr>
               <a:t>DirectUI</a:t>
             </a:r>
             <a:r>
-              <a:rPr lang="zh-CN" altLang="en-US" sz="1200" dirty="0" smtClean="0"/>
+              <a:rPr lang="zh-CN" altLang="en-US" sz="1200" dirty="0" smtClean="0">
+                <a:latin typeface="Microsoft YaHei UI" panose="020B0503020204020204" pitchFamily="34" charset="-122"/>
+                <a:ea typeface="Microsoft YaHei UI" panose="020B0503020204020204" pitchFamily="34" charset="-122"/>
+              </a:rPr>
               <a:t>为代表的</a:t>
             </a:r>
             <a:r>
-              <a:rPr lang="en-US" altLang="zh-CN" sz="1200" dirty="0" smtClean="0"/>
+              <a:rPr lang="en-US" altLang="zh-CN" sz="1200" dirty="0" smtClean="0">
+                <a:latin typeface="Microsoft YaHei UI" panose="020B0503020204020204" pitchFamily="34" charset="-122"/>
+                <a:ea typeface="Microsoft YaHei UI" panose="020B0503020204020204" pitchFamily="34" charset="-122"/>
+              </a:rPr>
               <a:t>PC</a:t>
             </a:r>
             <a:r>
-              <a:rPr lang="zh-CN" altLang="en-US" sz="1200" dirty="0" smtClean="0"/>
+              <a:rPr lang="zh-CN" altLang="en-US" sz="1200" dirty="0" smtClean="0">
+                <a:latin typeface="Microsoft YaHei UI" panose="020B0503020204020204" pitchFamily="34" charset="-122"/>
+                <a:ea typeface="Microsoft YaHei UI" panose="020B0503020204020204" pitchFamily="34" charset="-122"/>
+              </a:rPr>
               <a:t>富客户端</a:t>
             </a:r>
-            <a:endParaRPr lang="en-US" sz="1200" dirty="0"/>
+            <a:endParaRPr lang="en-US" sz="1200" dirty="0">
+              <a:latin typeface="Microsoft YaHei UI" panose="020B0503020204020204" pitchFamily="34" charset="-122"/>
+              <a:ea typeface="Microsoft YaHei UI" panose="020B0503020204020204" pitchFamily="34" charset="-122"/>
+            </a:endParaRPr>
           </a:p>
         </p:txBody>
       </p:sp>
@@ -26507,30 +26538,51 @@
           <a:p>
             <a:pPr algn="ctr"/>
             <a:r>
-              <a:rPr lang="en-US" altLang="zh-CN" sz="1200" dirty="0" smtClean="0"/>
+              <a:rPr lang="en-US" altLang="zh-CN" sz="1200" dirty="0" smtClean="0">
+                <a:latin typeface="Microsoft YaHei UI" panose="020B0503020204020204" pitchFamily="34" charset="-122"/>
+                <a:ea typeface="Microsoft YaHei UI" panose="020B0503020204020204" pitchFamily="34" charset="-122"/>
+              </a:rPr>
               <a:t>AngularJS</a:t>
             </a:r>
             <a:r>
-              <a:rPr lang="zh-CN" altLang="en-US" sz="1200" dirty="0" smtClean="0"/>
+              <a:rPr lang="zh-CN" altLang="en-US" sz="1200" dirty="0" smtClean="0">
+                <a:latin typeface="Microsoft YaHei UI" panose="020B0503020204020204" pitchFamily="34" charset="-122"/>
+                <a:ea typeface="Microsoft YaHei UI" panose="020B0503020204020204" pitchFamily="34" charset="-122"/>
+              </a:rPr>
               <a:t>，</a:t>
             </a:r>
             <a:r>
-              <a:rPr lang="en-US" altLang="zh-CN" sz="1200" dirty="0" smtClean="0"/>
+              <a:rPr lang="en-US" altLang="zh-CN" sz="1200" dirty="0" smtClean="0">
+                <a:latin typeface="Microsoft YaHei UI" panose="020B0503020204020204" pitchFamily="34" charset="-122"/>
+                <a:ea typeface="Microsoft YaHei UI" panose="020B0503020204020204" pitchFamily="34" charset="-122"/>
+              </a:rPr>
               <a:t>React</a:t>
             </a:r>
             <a:r>
-              <a:rPr lang="zh-CN" altLang="en-US" sz="1200" dirty="0" smtClean="0"/>
+              <a:rPr lang="zh-CN" altLang="en-US" sz="1200" dirty="0" smtClean="0">
+                <a:latin typeface="Microsoft YaHei UI" panose="020B0503020204020204" pitchFamily="34" charset="-122"/>
+                <a:ea typeface="Microsoft YaHei UI" panose="020B0503020204020204" pitchFamily="34" charset="-122"/>
+              </a:rPr>
               <a:t>，</a:t>
             </a:r>
             <a:r>
-              <a:rPr lang="en-US" altLang="zh-CN" sz="1200" dirty="0" err="1" smtClean="0"/>
+              <a:rPr lang="en-US" altLang="zh-CN" sz="1200" dirty="0" err="1" smtClean="0">
+                <a:latin typeface="Microsoft YaHei UI" panose="020B0503020204020204" pitchFamily="34" charset="-122"/>
+                <a:ea typeface="Microsoft YaHei UI" panose="020B0503020204020204" pitchFamily="34" charset="-122"/>
+              </a:rPr>
               <a:t>Vue</a:t>
             </a:r>
             <a:r>
-              <a:rPr lang="zh-CN" altLang="en-US" sz="1200" dirty="0" smtClean="0"/>
+              <a:rPr lang="zh-CN" altLang="en-US" sz="1200" dirty="0" smtClean="0">
+                <a:latin typeface="Microsoft YaHei UI" panose="020B0503020204020204" pitchFamily="34" charset="-122"/>
+                <a:ea typeface="Microsoft YaHei UI" panose="020B0503020204020204" pitchFamily="34" charset="-122"/>
+              </a:rPr>
               <a:t> </a:t>
             </a:r>
-            <a:endParaRPr lang="en-US" sz="1200" dirty="0"/>
+            <a:endParaRPr lang="en-US" sz="1200" dirty="0">
+              <a:latin typeface="Microsoft YaHei UI" panose="020B0503020204020204" pitchFamily="34" charset="-122"/>
+              <a:ea typeface="Microsoft YaHei UI" panose="020B0503020204020204" pitchFamily="34" charset="-122"/>
+            </a:endParaRPr>
           </a:p>
         </p:txBody>
       </p:sp>
@@ -27267,27 +27319,7 @@
                 <a:latin typeface="微软雅黑" panose="020B0503020204020204" pitchFamily="34" charset="-122"/>
                 <a:ea typeface="微软雅黑" panose="020B0503020204020204" pitchFamily="34" charset="-122"/>
               </a:rPr>
-              <a:t>有着深入了解 </a:t>
-            </a:r>
-            <a:r>
-              <a:rPr lang="zh-CN" altLang="en-US" sz="1600" dirty="0">
-                <a:solidFill>
-                  <a:schemeClr val="bg1"/>
-                </a:solidFill>
-                <a:latin typeface="微软雅黑" panose="020B0503020204020204" pitchFamily="34" charset="-122"/>
-                <a:ea typeface="微软雅黑" panose="020B0503020204020204" pitchFamily="34" charset="-122"/>
-              </a:rPr>
-              <a:t>，掌</a:t>
-            </a:r>
-            <a:r>
-              <a:rPr lang="zh-CN" altLang="en-US" sz="1600" dirty="0">
-                <a:solidFill>
-                  <a:schemeClr val="bg1"/>
-                </a:solidFill>
-                <a:latin typeface="微软雅黑" panose="020B0503020204020204" pitchFamily="34" charset="-122"/>
-                <a:ea typeface="微软雅黑" panose="020B0503020204020204" pitchFamily="34" charset="-122"/>
-              </a:rPr>
-              <a:t>握前端构建工具</a:t>
+              <a:t>有着深入了解 ，掌握前端构建工具</a:t>
             </a:r>
             <a:r>
               <a:rPr lang="zh-CN" altLang="en-US" sz="1600" dirty="0" smtClean="0">
@@ -27813,6 +27845,16 @@
               <a:defRPr/>
             </a:pPr>
             <a:r>
+              <a:rPr lang="zh-CN" altLang="en-US" sz="1600" dirty="0">
+                <a:solidFill>
+                  <a:schemeClr val="bg1"/>
+                </a:solidFill>
+                <a:latin typeface="微软雅黑" panose="020B0503020204020204" pitchFamily="34" charset="-122"/>
+                <a:ea typeface="微软雅黑" panose="020B0503020204020204" pitchFamily="34" charset="-122"/>
+              </a:rPr>
+              <a:t>热爱前端</a:t>
+            </a:r>
+            <a:r>
               <a:rPr kumimoji="0" lang="zh-CN" altLang="en-US" sz="1600" b="0" i="0" u="none" strike="noStrike" kern="1200" cap="none" spc="0" normalizeH="0" baseline="0" noProof="0" dirty="0" smtClean="0">
                 <a:ln>
                   <a:noFill/>
@@ -27827,7 +27869,7 @@
                 <a:ea typeface="微软雅黑" panose="020B0503020204020204" pitchFamily="34" charset="-122"/>
                 <a:cs typeface="+mn-cs"/>
               </a:rPr>
-              <a:t>热爱前端，追求第一印象，拥抱变化，追求极致</a:t>
+              <a:t>，追求第一印象，拥抱变化，追求极致</a:t>
             </a:r>
             <a:endParaRPr kumimoji="0" lang="zh-CN" altLang="en-US" sz="1600" b="0" i="0" u="none" strike="noStrike" kern="1200" cap="none" spc="0" normalizeH="0" baseline="0" noProof="0" dirty="0">
               <a:ln>
@@ -28272,7 +28314,7 @@
                   <a:noFill/>
                 </a:ln>
                 <a:solidFill>
-                  <a:prstClr val="white"/>
+                  <a:srgbClr val="FFC000"/>
                 </a:solidFill>
                 <a:effectLst/>
                 <a:uLnTx/>
@@ -28288,7 +28330,7 @@
                 <a:noFill/>
               </a:ln>
               <a:solidFill>
-                <a:prstClr val="white"/>
+                <a:srgbClr val="FFC000"/>
               </a:solidFill>
               <a:effectLst/>
               <a:uLnTx/>
@@ -29034,7 +29076,7 @@
                   <a:noFill/>
                 </a:ln>
                 <a:solidFill>
-                  <a:prstClr val="white"/>
+                  <a:srgbClr val="FFC000"/>
                 </a:solidFill>
                 <a:effectLst/>
                 <a:uLnTx/>
@@ -29050,7 +29092,7 @@
                 <a:noFill/>
               </a:ln>
               <a:solidFill>
-                <a:prstClr val="white"/>
+                <a:srgbClr val="FFC000"/>
               </a:solidFill>
               <a:effectLst/>
               <a:uLnTx/>
@@ -29781,231 +29823,9 @@
   <p:timing>
     <p:tnLst>
       <p:par>
-        <p:cTn id="1" dur="indefinite" restart="never" nodeType="tmRoot">
-          <p:childTnLst>
-            <p:seq concurrent="1" nextAc="seek">
-              <p:cTn id="2" dur="indefinite" nodeType="mainSeq">
-                <p:childTnLst>
-                  <p:par>
-                    <p:cTn id="3" fill="hold">
-                      <p:stCondLst>
-                        <p:cond delay="indefinite"/>
-                        <p:cond evt="onBegin" delay="0">
-                          <p:tn val="2"/>
-                        </p:cond>
-                      </p:stCondLst>
-                      <p:childTnLst>
-                        <p:par>
-                          <p:cTn id="4" fill="hold">
-                            <p:stCondLst>
-                              <p:cond delay="0"/>
-                            </p:stCondLst>
-                            <p:childTnLst>
-                              <p:par>
-                                <p:cTn id="5" presetID="10" presetClass="entr" presetSubtype="0" fill="hold" grpId="0" nodeType="afterEffect">
-                                  <p:stCondLst>
-                                    <p:cond delay="0"/>
-                                  </p:stCondLst>
-                                  <p:childTnLst>
-                                    <p:set>
-                                      <p:cBhvr>
-                                        <p:cTn id="6" dur="1" fill="hold">
-                                          <p:stCondLst>
-                                            <p:cond delay="0"/>
-                                          </p:stCondLst>
-                                        </p:cTn>
-                                        <p:tgtEl>
-                                          <p:spTgt spid="5"/>
-                                        </p:tgtEl>
-                                        <p:attrNameLst>
-                                          <p:attrName>style.visibility</p:attrName>
-                                        </p:attrNameLst>
-                                      </p:cBhvr>
-                                      <p:to>
-                                        <p:strVal val="visible"/>
-                                      </p:to>
-                                    </p:set>
-                                    <p:animEffect transition="in" filter="fade">
-                                      <p:cBhvr>
-                                        <p:cTn id="7" dur="500"/>
-                                        <p:tgtEl>
-                                          <p:spTgt spid="5"/>
-                                        </p:tgtEl>
-                                      </p:cBhvr>
-                                    </p:animEffect>
-                                  </p:childTnLst>
-                                </p:cTn>
-                              </p:par>
-                            </p:childTnLst>
-                          </p:cTn>
-                        </p:par>
-                        <p:par>
-                          <p:cTn id="8" fill="hold">
-                            <p:stCondLst>
-                              <p:cond delay="500"/>
-                            </p:stCondLst>
-                            <p:childTnLst>
-                              <p:par>
-                                <p:cTn id="9" presetID="10" presetClass="entr" presetSubtype="0" fill="hold" grpId="0" nodeType="afterEffect" nodePh="1">
-                                  <p:stCondLst>
-                                    <p:cond delay="0"/>
-                                  </p:stCondLst>
-                                  <p:endCondLst>
-                                    <p:cond evt="begin" delay="0">
-                                      <p:tn val="9"/>
-                                    </p:cond>
-                                  </p:endCondLst>
-                                  <p:childTnLst>
-                                    <p:set>
-                                      <p:cBhvr>
-                                        <p:cTn id="10" dur="1" fill="hold">
-                                          <p:stCondLst>
-                                            <p:cond delay="0"/>
-                                          </p:stCondLst>
-                                        </p:cTn>
-                                        <p:tgtEl>
-                                          <p:spTgt spid="6"/>
-                                        </p:tgtEl>
-                                        <p:attrNameLst>
-                                          <p:attrName>style.visibility</p:attrName>
-                                        </p:attrNameLst>
-                                      </p:cBhvr>
-                                      <p:to>
-                                        <p:strVal val="visible"/>
-                                      </p:to>
-                                    </p:set>
-                                    <p:animEffect transition="in" filter="fade">
-                                      <p:cBhvr>
-                                        <p:cTn id="11" dur="500"/>
-                                        <p:tgtEl>
-                                          <p:spTgt spid="6"/>
-                                        </p:tgtEl>
-                                      </p:cBhvr>
-                                    </p:animEffect>
-                                  </p:childTnLst>
-                                </p:cTn>
-                              </p:par>
-                            </p:childTnLst>
-                          </p:cTn>
-                        </p:par>
-                        <p:par>
-                          <p:cTn id="12" fill="hold">
-                            <p:stCondLst>
-                              <p:cond delay="1000"/>
-                            </p:stCondLst>
-                            <p:childTnLst>
-                              <p:par>
-                                <p:cTn id="13" presetID="10" presetClass="entr" presetSubtype="0" fill="hold" grpId="0" nodeType="afterEffect">
-                                  <p:stCondLst>
-                                    <p:cond delay="0"/>
-                                  </p:stCondLst>
-                                  <p:childTnLst>
-                                    <p:set>
-                                      <p:cBhvr>
-                                        <p:cTn id="14" dur="1" fill="hold">
-                                          <p:stCondLst>
-                                            <p:cond delay="0"/>
-                                          </p:stCondLst>
-                                        </p:cTn>
-                                        <p:tgtEl>
-                                          <p:spTgt spid="7"/>
-                                        </p:tgtEl>
-                                        <p:attrNameLst>
-                                          <p:attrName>style.visibility</p:attrName>
-                                        </p:attrNameLst>
-                                      </p:cBhvr>
-                                      <p:to>
-                                        <p:strVal val="visible"/>
-                                      </p:to>
-                                    </p:set>
-                                    <p:animEffect transition="in" filter="fade">
-                                      <p:cBhvr>
-                                        <p:cTn id="15" dur="500"/>
-                                        <p:tgtEl>
-                                          <p:spTgt spid="7"/>
-                                        </p:tgtEl>
-                                      </p:cBhvr>
-                                    </p:animEffect>
-                                  </p:childTnLst>
-                                </p:cTn>
-                              </p:par>
-                            </p:childTnLst>
-                          </p:cTn>
-                        </p:par>
-                        <p:par>
-                          <p:cTn id="16" fill="hold">
-                            <p:stCondLst>
-                              <p:cond delay="1500"/>
-                            </p:stCondLst>
-                            <p:childTnLst>
-                              <p:par>
-                                <p:cTn id="17" presetID="10" presetClass="entr" presetSubtype="0" fill="hold" grpId="0" nodeType="afterEffect">
-                                  <p:stCondLst>
-                                    <p:cond delay="0"/>
-                                  </p:stCondLst>
-                                  <p:childTnLst>
-                                    <p:set>
-                                      <p:cBhvr>
-                                        <p:cTn id="18" dur="1" fill="hold">
-                                          <p:stCondLst>
-                                            <p:cond delay="0"/>
-                                          </p:stCondLst>
-                                        </p:cTn>
-                                        <p:tgtEl>
-                                          <p:spTgt spid="21"/>
-                                        </p:tgtEl>
-                                        <p:attrNameLst>
-                                          <p:attrName>style.visibility</p:attrName>
-                                        </p:attrNameLst>
-                                      </p:cBhvr>
-                                      <p:to>
-                                        <p:strVal val="visible"/>
-                                      </p:to>
-                                    </p:set>
-                                    <p:animEffect transition="in" filter="fade">
-                                      <p:cBhvr>
-                                        <p:cTn id="19" dur="500"/>
-                                        <p:tgtEl>
-                                          <p:spTgt spid="21"/>
-                                        </p:tgtEl>
-                                      </p:cBhvr>
-                                    </p:animEffect>
-                                  </p:childTnLst>
-                                </p:cTn>
-                              </p:par>
-                            </p:childTnLst>
-                          </p:cTn>
-                        </p:par>
-                      </p:childTnLst>
-                    </p:cTn>
-                  </p:par>
-                </p:childTnLst>
-              </p:cTn>
-              <p:prevCondLst>
-                <p:cond evt="onPrev" delay="0">
-                  <p:tgtEl>
-                    <p:sldTgt/>
-                  </p:tgtEl>
-                </p:cond>
-              </p:prevCondLst>
-              <p:nextCondLst>
-                <p:cond evt="onNext" delay="0">
-                  <p:tgtEl>
-                    <p:sldTgt/>
-                  </p:tgtEl>
-                </p:cond>
-              </p:nextCondLst>
-            </p:seq>
-          </p:childTnLst>
-        </p:cTn>
+        <p:cTn id="1" dur="indefinite" restart="never" nodeType="tmRoot"/>
       </p:par>
     </p:tnLst>
-    <p:bldLst>
-      <p:bldP spid="5" grpId="0"/>
-      <p:bldP spid="6" grpId="0"/>
-      <p:bldP spid="7" grpId="0"/>
-      <p:bldP spid="21" grpId="0"/>
-    </p:bldLst>
   </p:timing>
 </p:sld>
 </file>
